--- a/week3/Wk 3, Lecture 1.pptx
+++ b/week3/Wk 3, Lecture 1.pptx
@@ -5,7 +5,7 @@
     <p:sldMasterId id="2147483648" r:id="rId1"/>
   </p:sldMasterIdLst>
   <p:notesMasterIdLst>
-    <p:notesMasterId r:id="rId33"/>
+    <p:notesMasterId r:id="rId36"/>
   </p:notesMasterIdLst>
   <p:sldIdLst>
     <p:sldId id="270" r:id="rId2"/>
@@ -39,6 +39,9 @@
     <p:sldId id="290" r:id="rId30"/>
     <p:sldId id="291" r:id="rId31"/>
     <p:sldId id="292" r:id="rId32"/>
+    <p:sldId id="293" r:id="rId33"/>
+    <p:sldId id="294" r:id="rId34"/>
+    <p:sldId id="295" r:id="rId35"/>
   </p:sldIdLst>
   <p:sldSz cx="12192000" cy="6858000"/>
   <p:notesSz cx="6858000" cy="9144000"/>
@@ -636,7 +639,7 @@
           <a:p>
             <a:fld id="{2DFDA5C7-BBAE-481E-8BF7-731156A2E2C1}" type="datetime8">
               <a:rPr lang="en-US" smtClean="0"/>
-              <a:t>6/26/2017 8:33 AM</a:t>
+              <a:t>6/26/2017 11:05 PM</a:t>
             </a:fld>
             <a:endParaRPr lang="en-US" dirty="0"/>
           </a:p>
@@ -794,7 +797,7 @@
           <a:p>
             <a:fld id="{64DAA8B1-71E0-4ED8-9A80-C398012240B1}" type="datetime8">
               <a:rPr lang="en-US" smtClean="0"/>
-              <a:t>6/26/2017 8:33 AM</a:t>
+              <a:t>6/26/2017 11:05 PM</a:t>
             </a:fld>
             <a:endParaRPr lang="en-US" dirty="0"/>
           </a:p>
@@ -12778,8 +12781,8 @@
           </a:p>
         </p:txBody>
       </p:sp>
-      <mc:AlternateContent xmlns:mc="http://schemas.openxmlformats.org/markup-compatibility/2006">
-        <mc:Choice xmlns:a14="http://schemas.microsoft.com/office/drawing/2010/main" Requires="a14">
+      <mc:AlternateContent xmlns:mc="http://schemas.openxmlformats.org/markup-compatibility/2006" xmlns:a14="http://schemas.microsoft.com/office/drawing/2010/main">
+        <mc:Choice Requires="a14">
           <p:sp>
             <p:nvSpPr>
               <p:cNvPr id="3" name="Content Placeholder 2"/>
@@ -12873,7 +12876,7 @@
             </p:txBody>
           </p:sp>
         </mc:Choice>
-        <mc:Fallback>
+        <mc:Fallback xmlns="">
           <p:sp>
             <p:nvSpPr>
               <p:cNvPr id="3" name="Content Placeholder 2"/>
@@ -12959,8 +12962,8 @@
           </a:p>
         </p:txBody>
       </p:sp>
-      <mc:AlternateContent xmlns:mc="http://schemas.openxmlformats.org/markup-compatibility/2006" xmlns:a14="http://schemas.microsoft.com/office/drawing/2010/main">
-        <mc:Choice Requires="a14">
+      <mc:AlternateContent xmlns:mc="http://schemas.openxmlformats.org/markup-compatibility/2006">
+        <mc:Choice xmlns:a14="http://schemas.microsoft.com/office/drawing/2010/main" Requires="a14">
           <p:sp>
             <p:nvSpPr>
               <p:cNvPr id="3" name="Content Placeholder 2"/>
@@ -13109,89 +13112,107 @@
                             </m:sub>
                             <m:sup/>
                             <m:e>
-                              <m:r>
-                                <a:rPr lang="en-US" b="0" i="1" smtClean="0">
-                                  <a:latin typeface="Cambria Math" panose="02040503050406030204" pitchFamily="18" charset="0"/>
-                                </a:rPr>
-                                <m:t>(</m:t>
-                              </m:r>
-                              <m:sSub>
-                                <m:sSubPr>
+                              <m:sSup>
+                                <m:sSupPr>
                                   <m:ctrlPr>
                                     <a:rPr lang="en-US" b="0" i="1" smtClean="0">
                                       <a:latin typeface="Cambria Math" panose="02040503050406030204" pitchFamily="18" charset="0"/>
                                     </a:rPr>
                                   </m:ctrlPr>
-                                </m:sSubPr>
+                                </m:sSupPr>
                                 <m:e>
-                                  <m:r>
-                                    <a:rPr lang="en-US" b="0" i="1" smtClean="0">
-                                      <a:latin typeface="Cambria Math" panose="02040503050406030204" pitchFamily="18" charset="0"/>
-                                    </a:rPr>
-                                    <m:t>𝑦</m:t>
-                                  </m:r>
-                                </m:e>
-                                <m:sub>
-                                  <m:r>
-                                    <a:rPr lang="en-US" b="0" i="1" smtClean="0">
-                                      <a:latin typeface="Cambria Math" panose="02040503050406030204" pitchFamily="18" charset="0"/>
-                                    </a:rPr>
-                                    <m:t>𝑖</m:t>
-                                  </m:r>
-                                </m:sub>
-                              </m:sSub>
-                              <m:r>
-                                <a:rPr lang="en-US" b="0" i="1" smtClean="0">
-                                  <a:latin typeface="Cambria Math" panose="02040503050406030204" pitchFamily="18" charset="0"/>
-                                </a:rPr>
-                                <m:t>−</m:t>
-                              </m:r>
-                              <m:sSub>
-                                <m:sSubPr>
-                                  <m:ctrlPr>
-                                    <a:rPr lang="en-US" b="0" i="1" smtClean="0">
-                                      <a:latin typeface="Cambria Math" panose="02040503050406030204" pitchFamily="18" charset="0"/>
-                                    </a:rPr>
-                                  </m:ctrlPr>
-                                </m:sSubPr>
-                                <m:e>
-                                  <m:acc>
-                                    <m:accPr>
-                                      <m:chr m:val="̅"/>
+                                  <m:d>
+                                    <m:dPr>
                                       <m:ctrlPr>
                                         <a:rPr lang="en-US" b="0" i="1" smtClean="0">
                                           <a:latin typeface="Cambria Math" panose="02040503050406030204" pitchFamily="18" charset="0"/>
                                         </a:rPr>
                                       </m:ctrlPr>
-                                    </m:accPr>
+                                    </m:dPr>
                                     <m:e>
+                                      <m:sSub>
+                                        <m:sSubPr>
+                                          <m:ctrlPr>
+                                            <a:rPr lang="en-US" b="0" i="1" smtClean="0">
+                                              <a:latin typeface="Cambria Math" panose="02040503050406030204" pitchFamily="18" charset="0"/>
+                                            </a:rPr>
+                                          </m:ctrlPr>
+                                        </m:sSubPr>
+                                        <m:e>
+                                          <m:r>
+                                            <a:rPr lang="en-US" b="0" i="1" smtClean="0">
+                                              <a:latin typeface="Cambria Math" panose="02040503050406030204" pitchFamily="18" charset="0"/>
+                                            </a:rPr>
+                                            <m:t>𝑦</m:t>
+                                          </m:r>
+                                        </m:e>
+                                        <m:sub>
+                                          <m:r>
+                                            <a:rPr lang="en-US" b="0" i="1" smtClean="0">
+                                              <a:latin typeface="Cambria Math" panose="02040503050406030204" pitchFamily="18" charset="0"/>
+                                            </a:rPr>
+                                            <m:t>𝑖</m:t>
+                                          </m:r>
+                                        </m:sub>
+                                      </m:sSub>
                                       <m:r>
                                         <a:rPr lang="en-US" b="0" i="1" smtClean="0">
                                           <a:latin typeface="Cambria Math" panose="02040503050406030204" pitchFamily="18" charset="0"/>
                                         </a:rPr>
-                                        <m:t>𝑦</m:t>
+                                        <m:t>−</m:t>
                                       </m:r>
+                                      <m:sSub>
+                                        <m:sSubPr>
+                                          <m:ctrlPr>
+                                            <a:rPr lang="en-US" b="0" i="1" smtClean="0">
+                                              <a:latin typeface="Cambria Math" panose="02040503050406030204" pitchFamily="18" charset="0"/>
+                                            </a:rPr>
+                                          </m:ctrlPr>
+                                        </m:sSubPr>
+                                        <m:e>
+                                          <m:acc>
+                                            <m:accPr>
+                                              <m:chr m:val="̅"/>
+                                              <m:ctrlPr>
+                                                <a:rPr lang="en-US" b="0" i="1" smtClean="0">
+                                                  <a:latin typeface="Cambria Math" panose="02040503050406030204" pitchFamily="18" charset="0"/>
+                                                </a:rPr>
+                                              </m:ctrlPr>
+                                            </m:accPr>
+                                            <m:e>
+                                              <m:r>
+                                                <a:rPr lang="en-US" b="0" i="1" smtClean="0">
+                                                  <a:latin typeface="Cambria Math" panose="02040503050406030204" pitchFamily="18" charset="0"/>
+                                                </a:rPr>
+                                                <m:t>𝑦</m:t>
+                                              </m:r>
+                                            </m:e>
+                                          </m:acc>
+                                        </m:e>
+                                        <m:sub>
+                                          <m:r>
+                                            <m:rPr>
+                                              <m:brk m:alnAt="7"/>
+                                            </m:rPr>
+                                            <a:rPr lang="en-US" b="0" i="1" smtClean="0">
+                                              <a:latin typeface="Cambria Math" panose="02040503050406030204" pitchFamily="18" charset="0"/>
+                                            </a:rPr>
+                                            <m:t>𝑙</m:t>
+                                          </m:r>
+                                        </m:sub>
+                                      </m:sSub>
                                     </m:e>
-                                  </m:acc>
+                                  </m:d>
                                 </m:e>
-                                <m:sub>
+                                <m:sup>
                                   <m:r>
-                                    <m:rPr>
-                                      <m:brk m:alnAt="7"/>
-                                    </m:rPr>
                                     <a:rPr lang="en-US" b="0" i="1" smtClean="0">
                                       <a:latin typeface="Cambria Math" panose="02040503050406030204" pitchFamily="18" charset="0"/>
                                     </a:rPr>
-                                    <m:t>𝑙</m:t>
+                                    <m:t>2</m:t>
                                   </m:r>
-                                </m:sub>
-                              </m:sSub>
-                              <m:r>
-                                <a:rPr lang="en-US" b="0" i="1" smtClean="0">
-                                  <a:latin typeface="Cambria Math" panose="02040503050406030204" pitchFamily="18" charset="0"/>
-                                </a:rPr>
-                                <m:t>)</m:t>
-                              </m:r>
+                                </m:sup>
+                              </m:sSup>
                             </m:e>
                           </m:nary>
                         </m:e>
@@ -13204,7 +13225,7 @@
             </p:txBody>
           </p:sp>
         </mc:Choice>
-        <mc:Fallback xmlns="">
+        <mc:Fallback>
           <p:sp>
             <p:nvSpPr>
               <p:cNvPr id="3" name="Content Placeholder 2"/>
@@ -13395,33 +13416,15 @@
                                   </p:childTnLst>
                                 </p:cTn>
                               </p:par>
-                            </p:childTnLst>
-                          </p:cTn>
-                        </p:par>
-                      </p:childTnLst>
-                    </p:cTn>
-                  </p:par>
-                  <p:par>
-                    <p:cTn id="13" fill="hold">
-                      <p:stCondLst>
-                        <p:cond delay="indefinite"/>
-                      </p:stCondLst>
-                      <p:childTnLst>
-                        <p:par>
-                          <p:cTn id="14" fill="hold">
-                            <p:stCondLst>
-                              <p:cond delay="0"/>
-                            </p:stCondLst>
-                            <p:childTnLst>
                               <p:par>
-                                <p:cTn id="15" presetID="1" presetClass="entr" presetSubtype="0" fill="hold" grpId="0" nodeType="clickEffect">
+                                <p:cTn id="13" presetID="1" presetClass="entr" presetSubtype="0" fill="hold" grpId="0" nodeType="withEffect">
                                   <p:stCondLst>
                                     <p:cond delay="0"/>
                                   </p:stCondLst>
                                   <p:childTnLst>
                                     <p:set>
                                       <p:cBhvr>
-                                        <p:cTn id="16" dur="1" fill="hold">
+                                        <p:cTn id="14" dur="1" fill="hold">
                                           <p:stCondLst>
                                             <p:cond delay="0"/>
                                           </p:stCondLst>
@@ -13444,33 +13447,15 @@
                                   </p:childTnLst>
                                 </p:cTn>
                               </p:par>
-                            </p:childTnLst>
-                          </p:cTn>
-                        </p:par>
-                      </p:childTnLst>
-                    </p:cTn>
-                  </p:par>
-                  <p:par>
-                    <p:cTn id="17" fill="hold">
-                      <p:stCondLst>
-                        <p:cond delay="indefinite"/>
-                      </p:stCondLst>
-                      <p:childTnLst>
-                        <p:par>
-                          <p:cTn id="18" fill="hold">
-                            <p:stCondLst>
-                              <p:cond delay="0"/>
-                            </p:stCondLst>
-                            <p:childTnLst>
                               <p:par>
-                                <p:cTn id="19" presetID="1" presetClass="entr" presetSubtype="0" fill="hold" grpId="0" nodeType="clickEffect">
+                                <p:cTn id="15" presetID="1" presetClass="entr" presetSubtype="0" fill="hold" grpId="0" nodeType="withEffect">
                                   <p:stCondLst>
                                     <p:cond delay="0"/>
                                   </p:stCondLst>
                                   <p:childTnLst>
                                     <p:set>
                                       <p:cBhvr>
-                                        <p:cTn id="20" dur="1" fill="hold">
+                                        <p:cTn id="16" dur="1" fill="hold">
                                           <p:stCondLst>
                                             <p:cond delay="0"/>
                                           </p:stCondLst>
@@ -15569,8 +15554,8 @@
           </a:p>
         </p:txBody>
       </p:sp>
-      <mc:AlternateContent xmlns:mc="http://schemas.openxmlformats.org/markup-compatibility/2006">
-        <mc:Choice xmlns:a14="http://schemas.microsoft.com/office/drawing/2010/main" Requires="a14">
+      <mc:AlternateContent xmlns:mc="http://schemas.openxmlformats.org/markup-compatibility/2006" xmlns:a14="http://schemas.microsoft.com/office/drawing/2010/main">
+        <mc:Choice Requires="a14">
           <p:sp>
             <p:nvSpPr>
               <p:cNvPr id="3" name="Content Placeholder 2"/>
@@ -15766,7 +15751,7 @@
             </p:txBody>
           </p:sp>
         </mc:Choice>
-        <mc:Fallback>
+        <mc:Fallback xmlns="">
           <p:sp>
             <p:nvSpPr>
               <p:cNvPr id="3" name="Content Placeholder 2"/>
@@ -16198,6 +16183,659 @@
     <p:extLst>
       <p:ext uri="{BB962C8B-B14F-4D97-AF65-F5344CB8AC3E}">
         <p14:creationId xmlns:p14="http://schemas.microsoft.com/office/powerpoint/2010/main" val="1270064087"/>
+      </p:ext>
+    </p:extLst>
+  </p:cSld>
+  <p:clrMapOvr>
+    <a:masterClrMapping/>
+  </p:clrMapOvr>
+</p:sld>
+</file>
+
+<file path=ppt/slides/slide32.xml><?xml version="1.0" encoding="utf-8"?>
+<p:sld xmlns:a="http://schemas.openxmlformats.org/drawingml/2006/main" xmlns:r="http://schemas.openxmlformats.org/officeDocument/2006/relationships" xmlns:p="http://schemas.openxmlformats.org/presentationml/2006/main">
+  <p:cSld>
+    <p:spTree>
+      <p:nvGrpSpPr>
+        <p:cNvPr id="1" name=""/>
+        <p:cNvGrpSpPr/>
+        <p:nvPr/>
+      </p:nvGrpSpPr>
+      <p:grpSpPr>
+        <a:xfrm>
+          <a:off x="0" y="0"/>
+          <a:ext cx="0" cy="0"/>
+          <a:chOff x="0" y="0"/>
+          <a:chExt cx="0" cy="0"/>
+        </a:xfrm>
+      </p:grpSpPr>
+      <p:sp>
+        <p:nvSpPr>
+          <p:cNvPr id="2" name="Title 1"/>
+          <p:cNvSpPr>
+            <a:spLocks noGrp="1"/>
+          </p:cNvSpPr>
+          <p:nvPr>
+            <p:ph type="title"/>
+          </p:nvPr>
+        </p:nvSpPr>
+        <p:spPr/>
+        <p:txBody>
+          <a:bodyPr/>
+          <a:lstStyle/>
+          <a:p>
+            <a:r>
+              <a:rPr lang="en-US" dirty="0"/>
+              <a:t>Forest</a:t>
+            </a:r>
+          </a:p>
+        </p:txBody>
+      </p:sp>
+      <p:sp>
+        <p:nvSpPr>
+          <p:cNvPr id="3" name="Content Placeholder 2"/>
+          <p:cNvSpPr>
+            <a:spLocks noGrp="1"/>
+          </p:cNvSpPr>
+          <p:nvPr>
+            <p:ph idx="1"/>
+          </p:nvPr>
+        </p:nvSpPr>
+        <p:spPr>
+          <a:xfrm>
+            <a:off x="838199" y="1825625"/>
+            <a:ext cx="10907851" cy="4351338"/>
+          </a:xfrm>
+        </p:spPr>
+        <p:txBody>
+          <a:bodyPr/>
+          <a:lstStyle/>
+          <a:p>
+            <a:r>
+              <a:rPr lang="en-US" dirty="0"/>
+              <a:t>Average of a bunch of slightly different (deep) trees</a:t>
+            </a:r>
+          </a:p>
+          <a:p>
+            <a:r>
+              <a:rPr lang="en-US" dirty="0"/>
+              <a:t>How to get slightly different trees?</a:t>
+            </a:r>
+          </a:p>
+          <a:p>
+            <a:pPr lvl="1"/>
+            <a:r>
+              <a:rPr lang="en-US" dirty="0"/>
+              <a:t>Jigger the rows: Randomly weight the observations</a:t>
+            </a:r>
+          </a:p>
+          <a:p>
+            <a:pPr lvl="1"/>
+            <a:r>
+              <a:rPr lang="en-US" dirty="0"/>
+              <a:t>Jigger the columns: Randomly don’t allow some variables to be used for slitting</a:t>
+            </a:r>
+          </a:p>
+          <a:p>
+            <a:r>
+              <a:rPr lang="en-US" dirty="0"/>
+              <a:t>Forests usually better than tree but we don’t get the nice visual.</a:t>
+            </a:r>
+          </a:p>
+          <a:p>
+            <a:pPr lvl="1"/>
+            <a:endParaRPr lang="en-US" dirty="0"/>
+          </a:p>
+        </p:txBody>
+      </p:sp>
+    </p:spTree>
+    <p:extLst>
+      <p:ext uri="{BB962C8B-B14F-4D97-AF65-F5344CB8AC3E}">
+        <p14:creationId xmlns:p14="http://schemas.microsoft.com/office/powerpoint/2010/main" val="236329411"/>
+      </p:ext>
+    </p:extLst>
+  </p:cSld>
+  <p:clrMapOvr>
+    <a:masterClrMapping/>
+  </p:clrMapOvr>
+  <p:timing>
+    <p:tnLst>
+      <p:par>
+        <p:cTn id="1" dur="indefinite" restart="never" nodeType="tmRoot">
+          <p:childTnLst>
+            <p:seq concurrent="1" nextAc="seek">
+              <p:cTn id="2" dur="indefinite" nodeType="mainSeq">
+                <p:childTnLst>
+                  <p:par>
+                    <p:cTn id="3" fill="hold">
+                      <p:stCondLst>
+                        <p:cond delay="indefinite"/>
+                      </p:stCondLst>
+                      <p:childTnLst>
+                        <p:par>
+                          <p:cTn id="4" fill="hold">
+                            <p:stCondLst>
+                              <p:cond delay="0"/>
+                            </p:stCondLst>
+                            <p:childTnLst>
+                              <p:par>
+                                <p:cTn id="5" presetID="1" presetClass="entr" presetSubtype="0" fill="hold" grpId="0" nodeType="clickEffect">
+                                  <p:stCondLst>
+                                    <p:cond delay="0"/>
+                                  </p:stCondLst>
+                                  <p:childTnLst>
+                                    <p:set>
+                                      <p:cBhvr>
+                                        <p:cTn id="6" dur="1" fill="hold">
+                                          <p:stCondLst>
+                                            <p:cond delay="0"/>
+                                          </p:stCondLst>
+                                        </p:cTn>
+                                        <p:tgtEl>
+                                          <p:spTgt spid="3">
+                                            <p:txEl>
+                                              <p:pRg st="0" end="0"/>
+                                            </p:txEl>
+                                          </p:spTgt>
+                                        </p:tgtEl>
+                                        <p:attrNameLst>
+                                          <p:attrName>style.visibility</p:attrName>
+                                        </p:attrNameLst>
+                                      </p:cBhvr>
+                                      <p:to>
+                                        <p:strVal val="visible"/>
+                                      </p:to>
+                                    </p:set>
+                                  </p:childTnLst>
+                                </p:cTn>
+                              </p:par>
+                            </p:childTnLst>
+                          </p:cTn>
+                        </p:par>
+                      </p:childTnLst>
+                    </p:cTn>
+                  </p:par>
+                  <p:par>
+                    <p:cTn id="7" fill="hold">
+                      <p:stCondLst>
+                        <p:cond delay="indefinite"/>
+                      </p:stCondLst>
+                      <p:childTnLst>
+                        <p:par>
+                          <p:cTn id="8" fill="hold">
+                            <p:stCondLst>
+                              <p:cond delay="0"/>
+                            </p:stCondLst>
+                            <p:childTnLst>
+                              <p:par>
+                                <p:cTn id="9" presetID="1" presetClass="entr" presetSubtype="0" fill="hold" grpId="0" nodeType="clickEffect">
+                                  <p:stCondLst>
+                                    <p:cond delay="0"/>
+                                  </p:stCondLst>
+                                  <p:childTnLst>
+                                    <p:set>
+                                      <p:cBhvr>
+                                        <p:cTn id="10" dur="1" fill="hold">
+                                          <p:stCondLst>
+                                            <p:cond delay="0"/>
+                                          </p:stCondLst>
+                                        </p:cTn>
+                                        <p:tgtEl>
+                                          <p:spTgt spid="3">
+                                            <p:txEl>
+                                              <p:pRg st="1" end="1"/>
+                                            </p:txEl>
+                                          </p:spTgt>
+                                        </p:tgtEl>
+                                        <p:attrNameLst>
+                                          <p:attrName>style.visibility</p:attrName>
+                                        </p:attrNameLst>
+                                      </p:cBhvr>
+                                      <p:to>
+                                        <p:strVal val="visible"/>
+                                      </p:to>
+                                    </p:set>
+                                  </p:childTnLst>
+                                </p:cTn>
+                              </p:par>
+                            </p:childTnLst>
+                          </p:cTn>
+                        </p:par>
+                      </p:childTnLst>
+                    </p:cTn>
+                  </p:par>
+                  <p:par>
+                    <p:cTn id="11" fill="hold">
+                      <p:stCondLst>
+                        <p:cond delay="indefinite"/>
+                      </p:stCondLst>
+                      <p:childTnLst>
+                        <p:par>
+                          <p:cTn id="12" fill="hold">
+                            <p:stCondLst>
+                              <p:cond delay="0"/>
+                            </p:stCondLst>
+                            <p:childTnLst>
+                              <p:par>
+                                <p:cTn id="13" presetID="1" presetClass="entr" presetSubtype="0" fill="hold" grpId="0" nodeType="clickEffect">
+                                  <p:stCondLst>
+                                    <p:cond delay="0"/>
+                                  </p:stCondLst>
+                                  <p:childTnLst>
+                                    <p:set>
+                                      <p:cBhvr>
+                                        <p:cTn id="14" dur="1" fill="hold">
+                                          <p:stCondLst>
+                                            <p:cond delay="0"/>
+                                          </p:stCondLst>
+                                        </p:cTn>
+                                        <p:tgtEl>
+                                          <p:spTgt spid="3">
+                                            <p:txEl>
+                                              <p:pRg st="2" end="2"/>
+                                            </p:txEl>
+                                          </p:spTgt>
+                                        </p:tgtEl>
+                                        <p:attrNameLst>
+                                          <p:attrName>style.visibility</p:attrName>
+                                        </p:attrNameLst>
+                                      </p:cBhvr>
+                                      <p:to>
+                                        <p:strVal val="visible"/>
+                                      </p:to>
+                                    </p:set>
+                                  </p:childTnLst>
+                                </p:cTn>
+                              </p:par>
+                            </p:childTnLst>
+                          </p:cTn>
+                        </p:par>
+                      </p:childTnLst>
+                    </p:cTn>
+                  </p:par>
+                  <p:par>
+                    <p:cTn id="15" fill="hold">
+                      <p:stCondLst>
+                        <p:cond delay="indefinite"/>
+                      </p:stCondLst>
+                      <p:childTnLst>
+                        <p:par>
+                          <p:cTn id="16" fill="hold">
+                            <p:stCondLst>
+                              <p:cond delay="0"/>
+                            </p:stCondLst>
+                            <p:childTnLst>
+                              <p:par>
+                                <p:cTn id="17" presetID="1" presetClass="entr" presetSubtype="0" fill="hold" grpId="0" nodeType="clickEffect">
+                                  <p:stCondLst>
+                                    <p:cond delay="0"/>
+                                  </p:stCondLst>
+                                  <p:childTnLst>
+                                    <p:set>
+                                      <p:cBhvr>
+                                        <p:cTn id="18" dur="1" fill="hold">
+                                          <p:stCondLst>
+                                            <p:cond delay="0"/>
+                                          </p:stCondLst>
+                                        </p:cTn>
+                                        <p:tgtEl>
+                                          <p:spTgt spid="3">
+                                            <p:txEl>
+                                              <p:pRg st="3" end="3"/>
+                                            </p:txEl>
+                                          </p:spTgt>
+                                        </p:tgtEl>
+                                        <p:attrNameLst>
+                                          <p:attrName>style.visibility</p:attrName>
+                                        </p:attrNameLst>
+                                      </p:cBhvr>
+                                      <p:to>
+                                        <p:strVal val="visible"/>
+                                      </p:to>
+                                    </p:set>
+                                  </p:childTnLst>
+                                </p:cTn>
+                              </p:par>
+                            </p:childTnLst>
+                          </p:cTn>
+                        </p:par>
+                      </p:childTnLst>
+                    </p:cTn>
+                  </p:par>
+                  <p:par>
+                    <p:cTn id="19" fill="hold">
+                      <p:stCondLst>
+                        <p:cond delay="indefinite"/>
+                      </p:stCondLst>
+                      <p:childTnLst>
+                        <p:par>
+                          <p:cTn id="20" fill="hold">
+                            <p:stCondLst>
+                              <p:cond delay="0"/>
+                            </p:stCondLst>
+                            <p:childTnLst>
+                              <p:par>
+                                <p:cTn id="21" presetID="1" presetClass="entr" presetSubtype="0" fill="hold" grpId="0" nodeType="clickEffect">
+                                  <p:stCondLst>
+                                    <p:cond delay="0"/>
+                                  </p:stCondLst>
+                                  <p:childTnLst>
+                                    <p:set>
+                                      <p:cBhvr>
+                                        <p:cTn id="22" dur="1" fill="hold">
+                                          <p:stCondLst>
+                                            <p:cond delay="0"/>
+                                          </p:stCondLst>
+                                        </p:cTn>
+                                        <p:tgtEl>
+                                          <p:spTgt spid="3">
+                                            <p:txEl>
+                                              <p:pRg st="4" end="4"/>
+                                            </p:txEl>
+                                          </p:spTgt>
+                                        </p:tgtEl>
+                                        <p:attrNameLst>
+                                          <p:attrName>style.visibility</p:attrName>
+                                        </p:attrNameLst>
+                                      </p:cBhvr>
+                                      <p:to>
+                                        <p:strVal val="visible"/>
+                                      </p:to>
+                                    </p:set>
+                                  </p:childTnLst>
+                                </p:cTn>
+                              </p:par>
+                            </p:childTnLst>
+                          </p:cTn>
+                        </p:par>
+                      </p:childTnLst>
+                    </p:cTn>
+                  </p:par>
+                </p:childTnLst>
+              </p:cTn>
+              <p:prevCondLst>
+                <p:cond evt="onPrev" delay="0">
+                  <p:tgtEl>
+                    <p:sldTgt/>
+                  </p:tgtEl>
+                </p:cond>
+              </p:prevCondLst>
+              <p:nextCondLst>
+                <p:cond evt="onNext" delay="0">
+                  <p:tgtEl>
+                    <p:sldTgt/>
+                  </p:tgtEl>
+                </p:cond>
+              </p:nextCondLst>
+            </p:seq>
+          </p:childTnLst>
+        </p:cTn>
+      </p:par>
+    </p:tnLst>
+    <p:bldLst>
+      <p:bldP spid="3" grpId="0" uiExpand="1" build="p"/>
+    </p:bldLst>
+  </p:timing>
+</p:sld>
+</file>
+
+<file path=ppt/slides/slide33.xml><?xml version="1.0" encoding="utf-8"?>
+<p:sld xmlns:a="http://schemas.openxmlformats.org/drawingml/2006/main" xmlns:r="http://schemas.openxmlformats.org/officeDocument/2006/relationships" xmlns:p="http://schemas.openxmlformats.org/presentationml/2006/main">
+  <p:cSld>
+    <p:spTree>
+      <p:nvGrpSpPr>
+        <p:cNvPr id="1" name=""/>
+        <p:cNvGrpSpPr/>
+        <p:nvPr/>
+      </p:nvGrpSpPr>
+      <p:grpSpPr>
+        <a:xfrm>
+          <a:off x="0" y="0"/>
+          <a:ext cx="0" cy="0"/>
+          <a:chOff x="0" y="0"/>
+          <a:chExt cx="0" cy="0"/>
+        </a:xfrm>
+      </p:grpSpPr>
+      <p:sp>
+        <p:nvSpPr>
+          <p:cNvPr id="2" name="Title 1"/>
+          <p:cNvSpPr>
+            <a:spLocks noGrp="1"/>
+          </p:cNvSpPr>
+          <p:nvPr>
+            <p:ph type="title"/>
+          </p:nvPr>
+        </p:nvSpPr>
+        <p:spPr/>
+        <p:txBody>
+          <a:bodyPr/>
+          <a:lstStyle/>
+          <a:p>
+            <a:r>
+              <a:rPr lang="en-US" dirty="0"/>
+              <a:t>Forest Example: Composition</a:t>
+            </a:r>
+          </a:p>
+        </p:txBody>
+      </p:sp>
+      <p:sp>
+        <p:nvSpPr>
+          <p:cNvPr id="3" name="Content Placeholder 2"/>
+          <p:cNvSpPr>
+            <a:spLocks noGrp="1"/>
+          </p:cNvSpPr>
+          <p:nvPr>
+            <p:ph idx="1"/>
+          </p:nvPr>
+        </p:nvSpPr>
+        <p:spPr/>
+        <p:txBody>
+          <a:bodyPr/>
+          <a:lstStyle/>
+          <a:p>
+            <a:r>
+              <a:rPr lang="en-US" dirty="0"/>
+              <a:t>Make trees from bootstrap samples of the crash-test data</a:t>
+            </a:r>
+          </a:p>
+        </p:txBody>
+      </p:sp>
+      <p:pic>
+        <p:nvPicPr>
+          <p:cNvPr id="6" name="Picture 5"/>
+          <p:cNvPicPr>
+            <a:picLocks noChangeAspect="1"/>
+          </p:cNvPicPr>
+          <p:nvPr/>
+        </p:nvPicPr>
+        <p:blipFill>
+          <a:blip r:embed="rId2">
+            <a:extLst>
+              <a:ext uri="{28A0092B-C50C-407E-A947-70E740481C1C}">
+                <a14:useLocalDpi xmlns:a14="http://schemas.microsoft.com/office/drawing/2010/main" val="0"/>
+              </a:ext>
+            </a:extLst>
+          </a:blip>
+          <a:stretch>
+            <a:fillRect/>
+          </a:stretch>
+        </p:blipFill>
+        <p:spPr>
+          <a:xfrm>
+            <a:off x="1993556" y="2605509"/>
+            <a:ext cx="6934028" cy="4252491"/>
+          </a:xfrm>
+          <a:prstGeom prst="rect">
+            <a:avLst/>
+          </a:prstGeom>
+        </p:spPr>
+      </p:pic>
+      <p:sp>
+        <p:nvSpPr>
+          <p:cNvPr id="7" name="TextBox 6"/>
+          <p:cNvSpPr txBox="1"/>
+          <p:nvPr/>
+        </p:nvSpPr>
+        <p:spPr>
+          <a:xfrm>
+            <a:off x="10040894" y="6467978"/>
+            <a:ext cx="1937951" cy="369332"/>
+          </a:xfrm>
+          <a:prstGeom prst="rect">
+            <a:avLst/>
+          </a:prstGeom>
+          <a:noFill/>
+        </p:spPr>
+        <p:txBody>
+          <a:bodyPr wrap="square" rtlCol="0">
+            <a:spAutoFit/>
+          </a:bodyPr>
+          <a:lstStyle/>
+          <a:p>
+            <a:r>
+              <a:rPr lang="en-US" dirty="0"/>
+              <a:t>Credit: Matt Taddy</a:t>
+            </a:r>
+          </a:p>
+        </p:txBody>
+      </p:sp>
+    </p:spTree>
+    <p:extLst>
+      <p:ext uri="{BB962C8B-B14F-4D97-AF65-F5344CB8AC3E}">
+        <p14:creationId xmlns:p14="http://schemas.microsoft.com/office/powerpoint/2010/main" val="3667055291"/>
+      </p:ext>
+    </p:extLst>
+  </p:cSld>
+  <p:clrMapOvr>
+    <a:masterClrMapping/>
+  </p:clrMapOvr>
+</p:sld>
+</file>
+
+<file path=ppt/slides/slide34.xml><?xml version="1.0" encoding="utf-8"?>
+<p:sld xmlns:a="http://schemas.openxmlformats.org/drawingml/2006/main" xmlns:r="http://schemas.openxmlformats.org/officeDocument/2006/relationships" xmlns:p="http://schemas.openxmlformats.org/presentationml/2006/main">
+  <p:cSld>
+    <p:spTree>
+      <p:nvGrpSpPr>
+        <p:cNvPr id="1" name=""/>
+        <p:cNvGrpSpPr/>
+        <p:nvPr/>
+      </p:nvGrpSpPr>
+      <p:grpSpPr>
+        <a:xfrm>
+          <a:off x="0" y="0"/>
+          <a:ext cx="0" cy="0"/>
+          <a:chOff x="0" y="0"/>
+          <a:chExt cx="0" cy="0"/>
+        </a:xfrm>
+      </p:grpSpPr>
+      <p:sp>
+        <p:nvSpPr>
+          <p:cNvPr id="2" name="Title 1"/>
+          <p:cNvSpPr>
+            <a:spLocks noGrp="1"/>
+          </p:cNvSpPr>
+          <p:nvPr>
+            <p:ph type="title"/>
+          </p:nvPr>
+        </p:nvSpPr>
+        <p:spPr/>
+        <p:txBody>
+          <a:bodyPr/>
+          <a:lstStyle/>
+          <a:p>
+            <a:r>
+              <a:rPr lang="en-US" dirty="0"/>
+              <a:t>Forest Example: Average</a:t>
+            </a:r>
+          </a:p>
+        </p:txBody>
+      </p:sp>
+      <p:sp>
+        <p:nvSpPr>
+          <p:cNvPr id="3" name="Content Placeholder 2"/>
+          <p:cNvSpPr>
+            <a:spLocks noGrp="1"/>
+          </p:cNvSpPr>
+          <p:nvPr>
+            <p:ph idx="1"/>
+          </p:nvPr>
+        </p:nvSpPr>
+        <p:spPr/>
+        <p:txBody>
+          <a:bodyPr/>
+          <a:lstStyle/>
+          <a:p>
+            <a:r>
+              <a:rPr lang="en-US" dirty="0"/>
+              <a:t>Average the trees to get a forest. Better but not perfect.</a:t>
+            </a:r>
+          </a:p>
+        </p:txBody>
+      </p:sp>
+      <p:pic>
+        <p:nvPicPr>
+          <p:cNvPr id="4" name="Picture 3"/>
+          <p:cNvPicPr>
+            <a:picLocks noChangeAspect="1"/>
+          </p:cNvPicPr>
+          <p:nvPr/>
+        </p:nvPicPr>
+        <p:blipFill>
+          <a:blip r:embed="rId2">
+            <a:extLst>
+              <a:ext uri="{28A0092B-C50C-407E-A947-70E740481C1C}">
+                <a14:useLocalDpi xmlns:a14="http://schemas.microsoft.com/office/drawing/2010/main" val="0"/>
+              </a:ext>
+            </a:extLst>
+          </a:blip>
+          <a:stretch>
+            <a:fillRect/>
+          </a:stretch>
+        </p:blipFill>
+        <p:spPr>
+          <a:xfrm>
+            <a:off x="1812325" y="2434714"/>
+            <a:ext cx="8361405" cy="4277928"/>
+          </a:xfrm>
+          <a:prstGeom prst="rect">
+            <a:avLst/>
+          </a:prstGeom>
+        </p:spPr>
+      </p:pic>
+      <p:sp>
+        <p:nvSpPr>
+          <p:cNvPr id="5" name="TextBox 4"/>
+          <p:cNvSpPr txBox="1"/>
+          <p:nvPr/>
+        </p:nvSpPr>
+        <p:spPr>
+          <a:xfrm>
+            <a:off x="10040894" y="6467978"/>
+            <a:ext cx="1937951" cy="369332"/>
+          </a:xfrm>
+          <a:prstGeom prst="rect">
+            <a:avLst/>
+          </a:prstGeom>
+          <a:noFill/>
+        </p:spPr>
+        <p:txBody>
+          <a:bodyPr wrap="square" rtlCol="0">
+            <a:spAutoFit/>
+          </a:bodyPr>
+          <a:lstStyle/>
+          <a:p>
+            <a:r>
+              <a:rPr lang="en-US" dirty="0"/>
+              <a:t>Credit: Matt Taddy</a:t>
+            </a:r>
+          </a:p>
+        </p:txBody>
+      </p:sp>
+    </p:spTree>
+    <p:extLst>
+      <p:ext uri="{BB962C8B-B14F-4D97-AF65-F5344CB8AC3E}">
+        <p14:creationId xmlns:p14="http://schemas.microsoft.com/office/powerpoint/2010/main" val="4043578448"/>
       </p:ext>
     </p:extLst>
   </p:cSld>
